--- a/ashley.pptx
+++ b/ashley.pptx
@@ -3077,7 +3077,21 @@
           <a:bodyPr/>
           <a:lstStyle/>
           <a:p>
-            <a:endParaRPr lang="es-CO"/>
+            <a:r>
+              <a:rPr lang="es-CO" dirty="0" smtClean="0">
+                <a:sym typeface="Wingdings" panose="05000000000000000000" pitchFamily="2" charset="2"/>
+              </a:rPr>
+              <a:t></a:t>
+            </a:r>
+          </a:p>
+          <a:p>
+            <a:r>
+              <a:rPr lang="es-CO" dirty="0" smtClean="0">
+                <a:sym typeface="Wingdings" panose="05000000000000000000" pitchFamily="2" charset="2"/>
+              </a:rPr>
+              <a:t>Mi papa me ama</a:t>
+            </a:r>
+            <a:endParaRPr lang="es-CO" dirty="0"/>
           </a:p>
         </p:txBody>
       </p:sp>
